--- a/Comp 360/Assignment 1/Graphs.pptx
+++ b/Comp 360/Assignment 1/Graphs.pptx
@@ -10,6 +10,7 @@
     <p:sldId id="258" r:id="rId4"/>
     <p:sldId id="259" r:id="rId5"/>
     <p:sldId id="260" r:id="rId6"/>
+    <p:sldId id="261" r:id="rId7"/>
   </p:sldIdLst>
   <p:sldSz cx="12192000" cy="6858000"/>
   <p:notesSz cx="6858000" cy="9144000"/>
@@ -7382,15 +7383,14 @@
         <p:nvCxnSpPr>
           <p:cNvPr id="17" name="Straight Arrow Connector 16"/>
           <p:cNvCxnSpPr>
-            <a:stCxn id="8" idx="4"/>
-            <a:endCxn id="18" idx="0"/>
+            <a:stCxn id="11" idx="4"/>
           </p:cNvCxnSpPr>
           <p:nvPr/>
         </p:nvCxnSpPr>
         <p:spPr>
-          <a:xfrm>
-            <a:off x="5183489" y="1688269"/>
-            <a:ext cx="0" cy="2568680"/>
+          <a:xfrm flipH="1">
+            <a:off x="5183489" y="1684800"/>
+            <a:ext cx="1513024" cy="2548683"/>
           </a:xfrm>
           <a:prstGeom prst="straightConnector1">
             <a:avLst/>
@@ -7826,7 +7826,7 @@
         </p:nvSpPr>
         <p:spPr>
           <a:xfrm>
-            <a:off x="5269115" y="2827327"/>
+            <a:off x="5940001" y="2865864"/>
             <a:ext cx="569797" cy="369332"/>
           </a:xfrm>
           <a:prstGeom prst="rect">
@@ -7842,7 +7842,7 @@
           <a:p>
             <a:r>
               <a:rPr lang="en-US" dirty="0" smtClean="0"/>
-              <a:t>19</a:t>
+              <a:t>16</a:t>
             </a:r>
             <a:endParaRPr lang="en-US" dirty="0"/>
           </a:p>
@@ -7915,6 +7915,640 @@
     <p:extLst>
       <p:ext uri="{BB962C8B-B14F-4D97-AF65-F5344CB8AC3E}">
         <p14:creationId xmlns:p14="http://schemas.microsoft.com/office/powerpoint/2010/main" val="4253680332"/>
+      </p:ext>
+    </p:extLst>
+  </p:cSld>
+  <p:clrMapOvr>
+    <a:masterClrMapping/>
+  </p:clrMapOvr>
+</p:sld>
+</file>
+
+<file path=ppt/slides/slide6.xml><?xml version="1.0" encoding="utf-8"?>
+<p:sld xmlns:a="http://schemas.openxmlformats.org/drawingml/2006/main" xmlns:r="http://schemas.openxmlformats.org/officeDocument/2006/relationships" xmlns:p="http://schemas.openxmlformats.org/presentationml/2006/main">
+  <p:cSld>
+    <p:spTree>
+      <p:nvGrpSpPr>
+        <p:cNvPr id="1" name=""/>
+        <p:cNvGrpSpPr/>
+        <p:nvPr/>
+      </p:nvGrpSpPr>
+      <p:grpSpPr>
+        <a:xfrm>
+          <a:off x="0" y="0"/>
+          <a:ext cx="0" cy="0"/>
+          <a:chOff x="0" y="0"/>
+          <a:chExt cx="0" cy="0"/>
+        </a:xfrm>
+      </p:grpSpPr>
+      <p:cxnSp>
+        <p:nvCxnSpPr>
+          <p:cNvPr id="8" name="Straight Connector 7"/>
+          <p:cNvCxnSpPr/>
+          <p:nvPr/>
+        </p:nvCxnSpPr>
+        <p:spPr>
+          <a:xfrm flipV="1">
+            <a:off x="4361607" y="2913132"/>
+            <a:ext cx="1019596" cy="752559"/>
+          </a:xfrm>
+          <a:prstGeom prst="line">
+            <a:avLst/>
+          </a:prstGeom>
+        </p:spPr>
+        <p:style>
+          <a:lnRef idx="1">
+            <a:schemeClr val="accent1"/>
+          </a:lnRef>
+          <a:fillRef idx="0">
+            <a:schemeClr val="accent1"/>
+          </a:fillRef>
+          <a:effectRef idx="0">
+            <a:schemeClr val="accent1"/>
+          </a:effectRef>
+          <a:fontRef idx="minor">
+            <a:schemeClr val="tx1"/>
+          </a:fontRef>
+        </p:style>
+      </p:cxnSp>
+      <p:cxnSp>
+        <p:nvCxnSpPr>
+          <p:cNvPr id="10" name="Straight Connector 9"/>
+          <p:cNvCxnSpPr/>
+          <p:nvPr/>
+        </p:nvCxnSpPr>
+        <p:spPr>
+          <a:xfrm flipV="1">
+            <a:off x="5849193" y="2913131"/>
+            <a:ext cx="1019596" cy="752559"/>
+          </a:xfrm>
+          <a:prstGeom prst="line">
+            <a:avLst/>
+          </a:prstGeom>
+        </p:spPr>
+        <p:style>
+          <a:lnRef idx="1">
+            <a:schemeClr val="accent1"/>
+          </a:lnRef>
+          <a:fillRef idx="0">
+            <a:schemeClr val="accent1"/>
+          </a:fillRef>
+          <a:effectRef idx="0">
+            <a:schemeClr val="accent1"/>
+          </a:effectRef>
+          <a:fontRef idx="minor">
+            <a:schemeClr val="tx1"/>
+          </a:fontRef>
+        </p:style>
+      </p:cxnSp>
+      <p:cxnSp>
+        <p:nvCxnSpPr>
+          <p:cNvPr id="11" name="Straight Connector 10"/>
+          <p:cNvCxnSpPr/>
+          <p:nvPr/>
+        </p:nvCxnSpPr>
+        <p:spPr>
+          <a:xfrm>
+            <a:off x="5381203" y="2913131"/>
+            <a:ext cx="1487586" cy="0"/>
+          </a:xfrm>
+          <a:prstGeom prst="line">
+            <a:avLst/>
+          </a:prstGeom>
+        </p:spPr>
+        <p:style>
+          <a:lnRef idx="1">
+            <a:schemeClr val="accent1"/>
+          </a:lnRef>
+          <a:fillRef idx="0">
+            <a:schemeClr val="accent1"/>
+          </a:fillRef>
+          <a:effectRef idx="0">
+            <a:schemeClr val="accent1"/>
+          </a:effectRef>
+          <a:fontRef idx="minor">
+            <a:schemeClr val="tx1"/>
+          </a:fontRef>
+        </p:style>
+      </p:cxnSp>
+      <p:cxnSp>
+        <p:nvCxnSpPr>
+          <p:cNvPr id="14" name="Straight Connector 13"/>
+          <p:cNvCxnSpPr/>
+          <p:nvPr/>
+        </p:nvCxnSpPr>
+        <p:spPr>
+          <a:xfrm>
+            <a:off x="4361607" y="3665690"/>
+            <a:ext cx="1487586" cy="0"/>
+          </a:xfrm>
+          <a:prstGeom prst="line">
+            <a:avLst/>
+          </a:prstGeom>
+        </p:spPr>
+        <p:style>
+          <a:lnRef idx="1">
+            <a:schemeClr val="accent1"/>
+          </a:lnRef>
+          <a:fillRef idx="0">
+            <a:schemeClr val="accent1"/>
+          </a:fillRef>
+          <a:effectRef idx="0">
+            <a:schemeClr val="accent1"/>
+          </a:effectRef>
+          <a:fontRef idx="minor">
+            <a:schemeClr val="tx1"/>
+          </a:fontRef>
+        </p:style>
+      </p:cxnSp>
+      <p:cxnSp>
+        <p:nvCxnSpPr>
+          <p:cNvPr id="22" name="Straight Connector 21"/>
+          <p:cNvCxnSpPr/>
+          <p:nvPr/>
+        </p:nvCxnSpPr>
+        <p:spPr>
+          <a:xfrm flipH="1" flipV="1">
+            <a:off x="5324559" y="882032"/>
+            <a:ext cx="56644" cy="2031100"/>
+          </a:xfrm>
+          <a:prstGeom prst="line">
+            <a:avLst/>
+          </a:prstGeom>
+        </p:spPr>
+        <p:style>
+          <a:lnRef idx="1">
+            <a:schemeClr val="accent1"/>
+          </a:lnRef>
+          <a:fillRef idx="0">
+            <a:schemeClr val="accent1"/>
+          </a:fillRef>
+          <a:effectRef idx="0">
+            <a:schemeClr val="accent1"/>
+          </a:effectRef>
+          <a:fontRef idx="minor">
+            <a:schemeClr val="tx1"/>
+          </a:fontRef>
+        </p:style>
+      </p:cxnSp>
+      <p:cxnSp>
+        <p:nvCxnSpPr>
+          <p:cNvPr id="24" name="Straight Connector 23"/>
+          <p:cNvCxnSpPr/>
+          <p:nvPr/>
+        </p:nvCxnSpPr>
+        <p:spPr>
+          <a:xfrm flipH="1" flipV="1">
+            <a:off x="5867905" y="882032"/>
+            <a:ext cx="1000885" cy="2031099"/>
+          </a:xfrm>
+          <a:prstGeom prst="line">
+            <a:avLst/>
+          </a:prstGeom>
+        </p:spPr>
+        <p:style>
+          <a:lnRef idx="1">
+            <a:schemeClr val="accent1"/>
+          </a:lnRef>
+          <a:fillRef idx="0">
+            <a:schemeClr val="accent1"/>
+          </a:fillRef>
+          <a:effectRef idx="0">
+            <a:schemeClr val="accent1"/>
+          </a:effectRef>
+          <a:fontRef idx="minor">
+            <a:schemeClr val="tx1"/>
+          </a:fontRef>
+        </p:style>
+      </p:cxnSp>
+      <p:cxnSp>
+        <p:nvCxnSpPr>
+          <p:cNvPr id="26" name="Straight Connector 25"/>
+          <p:cNvCxnSpPr/>
+          <p:nvPr/>
+        </p:nvCxnSpPr>
+        <p:spPr>
+          <a:xfrm flipV="1">
+            <a:off x="4361607" y="2196986"/>
+            <a:ext cx="0" cy="1468704"/>
+          </a:xfrm>
+          <a:prstGeom prst="line">
+            <a:avLst/>
+          </a:prstGeom>
+        </p:spPr>
+        <p:style>
+          <a:lnRef idx="1">
+            <a:schemeClr val="accent1"/>
+          </a:lnRef>
+          <a:fillRef idx="0">
+            <a:schemeClr val="accent1"/>
+          </a:fillRef>
+          <a:effectRef idx="0">
+            <a:schemeClr val="accent1"/>
+          </a:effectRef>
+          <a:fontRef idx="minor">
+            <a:schemeClr val="tx1"/>
+          </a:fontRef>
+        </p:style>
+      </p:cxnSp>
+      <p:cxnSp>
+        <p:nvCxnSpPr>
+          <p:cNvPr id="28" name="Straight Connector 27"/>
+          <p:cNvCxnSpPr/>
+          <p:nvPr/>
+        </p:nvCxnSpPr>
+        <p:spPr>
+          <a:xfrm flipV="1">
+            <a:off x="4361607" y="882032"/>
+            <a:ext cx="962952" cy="1314954"/>
+          </a:xfrm>
+          <a:prstGeom prst="line">
+            <a:avLst/>
+          </a:prstGeom>
+        </p:spPr>
+        <p:style>
+          <a:lnRef idx="1">
+            <a:schemeClr val="accent1"/>
+          </a:lnRef>
+          <a:fillRef idx="0">
+            <a:schemeClr val="accent1"/>
+          </a:fillRef>
+          <a:effectRef idx="0">
+            <a:schemeClr val="accent1"/>
+          </a:effectRef>
+          <a:fontRef idx="minor">
+            <a:schemeClr val="tx1"/>
+          </a:fontRef>
+        </p:style>
+      </p:cxnSp>
+      <p:cxnSp>
+        <p:nvCxnSpPr>
+          <p:cNvPr id="31" name="Straight Connector 30"/>
+          <p:cNvCxnSpPr/>
+          <p:nvPr/>
+        </p:nvCxnSpPr>
+        <p:spPr>
+          <a:xfrm flipV="1">
+            <a:off x="4375768" y="2170437"/>
+            <a:ext cx="1102982" cy="39191"/>
+          </a:xfrm>
+          <a:prstGeom prst="line">
+            <a:avLst/>
+          </a:prstGeom>
+        </p:spPr>
+        <p:style>
+          <a:lnRef idx="1">
+            <a:schemeClr val="accent1"/>
+          </a:lnRef>
+          <a:fillRef idx="0">
+            <a:schemeClr val="accent1"/>
+          </a:fillRef>
+          <a:effectRef idx="0">
+            <a:schemeClr val="accent1"/>
+          </a:effectRef>
+          <a:fontRef idx="minor">
+            <a:schemeClr val="tx1"/>
+          </a:fontRef>
+        </p:style>
+      </p:cxnSp>
+      <p:cxnSp>
+        <p:nvCxnSpPr>
+          <p:cNvPr id="33" name="Straight Connector 32"/>
+          <p:cNvCxnSpPr/>
+          <p:nvPr/>
+        </p:nvCxnSpPr>
+        <p:spPr>
+          <a:xfrm>
+            <a:off x="5483345" y="2156528"/>
+            <a:ext cx="384560" cy="1509162"/>
+          </a:xfrm>
+          <a:prstGeom prst="line">
+            <a:avLst/>
+          </a:prstGeom>
+        </p:spPr>
+        <p:style>
+          <a:lnRef idx="1">
+            <a:schemeClr val="accent1"/>
+          </a:lnRef>
+          <a:fillRef idx="0">
+            <a:schemeClr val="accent1"/>
+          </a:fillRef>
+          <a:effectRef idx="0">
+            <a:schemeClr val="accent1"/>
+          </a:effectRef>
+          <a:fontRef idx="minor">
+            <a:schemeClr val="tx1"/>
+          </a:fontRef>
+        </p:style>
+      </p:cxnSp>
+      <p:cxnSp>
+        <p:nvCxnSpPr>
+          <p:cNvPr id="37" name="Straight Connector 36"/>
+          <p:cNvCxnSpPr/>
+          <p:nvPr/>
+        </p:nvCxnSpPr>
+        <p:spPr>
+          <a:xfrm flipV="1">
+            <a:off x="5324558" y="875029"/>
+            <a:ext cx="558349" cy="7003"/>
+          </a:xfrm>
+          <a:prstGeom prst="line">
+            <a:avLst/>
+          </a:prstGeom>
+        </p:spPr>
+        <p:style>
+          <a:lnRef idx="1">
+            <a:schemeClr val="accent1"/>
+          </a:lnRef>
+          <a:fillRef idx="0">
+            <a:schemeClr val="accent1"/>
+          </a:fillRef>
+          <a:effectRef idx="0">
+            <a:schemeClr val="accent1"/>
+          </a:effectRef>
+          <a:fontRef idx="minor">
+            <a:schemeClr val="tx1"/>
+          </a:fontRef>
+        </p:style>
+      </p:cxnSp>
+      <p:cxnSp>
+        <p:nvCxnSpPr>
+          <p:cNvPr id="39" name="Straight Connector 38"/>
+          <p:cNvCxnSpPr/>
+          <p:nvPr/>
+        </p:nvCxnSpPr>
+        <p:spPr>
+          <a:xfrm flipV="1">
+            <a:off x="5483345" y="875028"/>
+            <a:ext cx="384560" cy="1281499"/>
+          </a:xfrm>
+          <a:prstGeom prst="line">
+            <a:avLst/>
+          </a:prstGeom>
+        </p:spPr>
+        <p:style>
+          <a:lnRef idx="1">
+            <a:schemeClr val="accent1"/>
+          </a:lnRef>
+          <a:fillRef idx="0">
+            <a:schemeClr val="accent1"/>
+          </a:fillRef>
+          <a:effectRef idx="0">
+            <a:schemeClr val="accent1"/>
+          </a:effectRef>
+          <a:fontRef idx="minor">
+            <a:schemeClr val="tx1"/>
+          </a:fontRef>
+        </p:style>
+      </p:cxnSp>
+      <p:sp>
+        <p:nvSpPr>
+          <p:cNvPr id="48" name="TextBox 47"/>
+          <p:cNvSpPr txBox="1"/>
+          <p:nvPr/>
+        </p:nvSpPr>
+        <p:spPr>
+          <a:xfrm>
+            <a:off x="4905796" y="2680639"/>
+            <a:ext cx="748513" cy="276999"/>
+          </a:xfrm>
+          <a:prstGeom prst="rect">
+            <a:avLst/>
+          </a:prstGeom>
+          <a:noFill/>
+        </p:spPr>
+        <p:txBody>
+          <a:bodyPr wrap="square" rtlCol="0">
+            <a:spAutoFit/>
+          </a:bodyPr>
+          <a:lstStyle/>
+          <a:p>
+            <a:r>
+              <a:rPr lang="en-US" sz="1200" dirty="0" smtClean="0"/>
+              <a:t>0,0,0</a:t>
+            </a:r>
+            <a:endParaRPr lang="en-US" sz="1200" dirty="0"/>
+          </a:p>
+        </p:txBody>
+      </p:sp>
+      <p:sp>
+        <p:nvSpPr>
+          <p:cNvPr id="49" name="TextBox 48"/>
+          <p:cNvSpPr txBox="1"/>
+          <p:nvPr/>
+        </p:nvSpPr>
+        <p:spPr>
+          <a:xfrm>
+            <a:off x="6891926" y="2774631"/>
+            <a:ext cx="748513" cy="276999"/>
+          </a:xfrm>
+          <a:prstGeom prst="rect">
+            <a:avLst/>
+          </a:prstGeom>
+          <a:noFill/>
+        </p:spPr>
+        <p:txBody>
+          <a:bodyPr wrap="square" rtlCol="0">
+            <a:spAutoFit/>
+          </a:bodyPr>
+          <a:lstStyle/>
+          <a:p>
+            <a:r>
+              <a:rPr lang="en-US" sz="1200" dirty="0" smtClean="0"/>
+              <a:t>0,2,0</a:t>
+            </a:r>
+            <a:endParaRPr lang="en-US" sz="1200" dirty="0"/>
+          </a:p>
+        </p:txBody>
+      </p:sp>
+      <p:sp>
+        <p:nvSpPr>
+          <p:cNvPr id="50" name="TextBox 49"/>
+          <p:cNvSpPr txBox="1"/>
+          <p:nvPr/>
+        </p:nvSpPr>
+        <p:spPr>
+          <a:xfrm>
+            <a:off x="5848811" y="3561581"/>
+            <a:ext cx="748513" cy="276999"/>
+          </a:xfrm>
+          <a:prstGeom prst="rect">
+            <a:avLst/>
+          </a:prstGeom>
+          <a:noFill/>
+        </p:spPr>
+        <p:txBody>
+          <a:bodyPr wrap="square" rtlCol="0">
+            <a:spAutoFit/>
+          </a:bodyPr>
+          <a:lstStyle/>
+          <a:p>
+            <a:r>
+              <a:rPr lang="en-US" sz="1200" dirty="0" smtClean="0"/>
+              <a:t>2,2,0</a:t>
+            </a:r>
+            <a:endParaRPr lang="en-US" sz="1200" dirty="0"/>
+          </a:p>
+        </p:txBody>
+      </p:sp>
+      <p:sp>
+        <p:nvSpPr>
+          <p:cNvPr id="51" name="TextBox 50"/>
+          <p:cNvSpPr txBox="1"/>
+          <p:nvPr/>
+        </p:nvSpPr>
+        <p:spPr>
+          <a:xfrm>
+            <a:off x="3869807" y="3641957"/>
+            <a:ext cx="748513" cy="276999"/>
+          </a:xfrm>
+          <a:prstGeom prst="rect">
+            <a:avLst/>
+          </a:prstGeom>
+          <a:noFill/>
+        </p:spPr>
+        <p:txBody>
+          <a:bodyPr wrap="square" rtlCol="0">
+            <a:spAutoFit/>
+          </a:bodyPr>
+          <a:lstStyle/>
+          <a:p>
+            <a:r>
+              <a:rPr lang="en-US" sz="1200" dirty="0"/>
+              <a:t>2</a:t>
+            </a:r>
+            <a:r>
+              <a:rPr lang="en-US" sz="1200" dirty="0" smtClean="0"/>
+              <a:t>,0,0</a:t>
+            </a:r>
+            <a:endParaRPr lang="en-US" sz="1200" dirty="0"/>
+          </a:p>
+        </p:txBody>
+      </p:sp>
+      <p:sp>
+        <p:nvSpPr>
+          <p:cNvPr id="52" name="TextBox 51"/>
+          <p:cNvSpPr txBox="1"/>
+          <p:nvPr/>
+        </p:nvSpPr>
+        <p:spPr>
+          <a:xfrm>
+            <a:off x="3846627" y="2018027"/>
+            <a:ext cx="748513" cy="276999"/>
+          </a:xfrm>
+          <a:prstGeom prst="rect">
+            <a:avLst/>
+          </a:prstGeom>
+          <a:noFill/>
+        </p:spPr>
+        <p:txBody>
+          <a:bodyPr wrap="square" rtlCol="0">
+            <a:spAutoFit/>
+          </a:bodyPr>
+          <a:lstStyle/>
+          <a:p>
+            <a:r>
+              <a:rPr lang="en-US" sz="1200" dirty="0" smtClean="0"/>
+              <a:t>2,0,3</a:t>
+            </a:r>
+            <a:endParaRPr lang="en-US" sz="1200" dirty="0"/>
+          </a:p>
+        </p:txBody>
+      </p:sp>
+      <p:sp>
+        <p:nvSpPr>
+          <p:cNvPr id="54" name="TextBox 53"/>
+          <p:cNvSpPr txBox="1"/>
+          <p:nvPr/>
+        </p:nvSpPr>
+        <p:spPr>
+          <a:xfrm>
+            <a:off x="5950193" y="605032"/>
+            <a:ext cx="748513" cy="276999"/>
+          </a:xfrm>
+          <a:prstGeom prst="rect">
+            <a:avLst/>
+          </a:prstGeom>
+          <a:noFill/>
+        </p:spPr>
+        <p:txBody>
+          <a:bodyPr wrap="square" rtlCol="0">
+            <a:spAutoFit/>
+          </a:bodyPr>
+          <a:lstStyle/>
+          <a:p>
+            <a:r>
+              <a:rPr lang="en-US" sz="1200" dirty="0" smtClean="0"/>
+              <a:t>0,0.5,4</a:t>
+            </a:r>
+            <a:endParaRPr lang="en-US" sz="1200" dirty="0"/>
+          </a:p>
+        </p:txBody>
+      </p:sp>
+      <p:sp>
+        <p:nvSpPr>
+          <p:cNvPr id="55" name="TextBox 54"/>
+          <p:cNvSpPr txBox="1"/>
+          <p:nvPr/>
+        </p:nvSpPr>
+        <p:spPr>
+          <a:xfrm>
+            <a:off x="4919955" y="676460"/>
+            <a:ext cx="748513" cy="276999"/>
+          </a:xfrm>
+          <a:prstGeom prst="rect">
+            <a:avLst/>
+          </a:prstGeom>
+          <a:noFill/>
+        </p:spPr>
+        <p:txBody>
+          <a:bodyPr wrap="square" rtlCol="0">
+            <a:spAutoFit/>
+          </a:bodyPr>
+          <a:lstStyle/>
+          <a:p>
+            <a:r>
+              <a:rPr lang="en-US" sz="1200" dirty="0" smtClean="0"/>
+              <a:t>0,0,4</a:t>
+            </a:r>
+            <a:endParaRPr lang="en-US" sz="1200" dirty="0"/>
+          </a:p>
+        </p:txBody>
+      </p:sp>
+      <p:sp>
+        <p:nvSpPr>
+          <p:cNvPr id="56" name="TextBox 55"/>
+          <p:cNvSpPr txBox="1"/>
+          <p:nvPr/>
+        </p:nvSpPr>
+        <p:spPr>
+          <a:xfrm>
+            <a:off x="5478750" y="2019117"/>
+            <a:ext cx="748513" cy="276999"/>
+          </a:xfrm>
+          <a:prstGeom prst="rect">
+            <a:avLst/>
+          </a:prstGeom>
+          <a:noFill/>
+        </p:spPr>
+        <p:txBody>
+          <a:bodyPr wrap="square" rtlCol="0">
+            <a:spAutoFit/>
+          </a:bodyPr>
+          <a:lstStyle/>
+          <a:p>
+            <a:r>
+              <a:rPr lang="en-US" sz="1200" dirty="0" smtClean="0"/>
+              <a:t>2,1,3</a:t>
+            </a:r>
+            <a:endParaRPr lang="en-US" sz="1200" dirty="0"/>
+          </a:p>
+        </p:txBody>
+      </p:sp>
+    </p:spTree>
+    <p:extLst>
+      <p:ext uri="{BB962C8B-B14F-4D97-AF65-F5344CB8AC3E}">
+        <p14:creationId xmlns:p14="http://schemas.microsoft.com/office/powerpoint/2010/main" val="3506561728"/>
       </p:ext>
     </p:extLst>
   </p:cSld>
